--- a/WilliamYoong_JacobLim_MalodyHoe_CS380PPT.pptx
+++ b/WilliamYoong_JacobLim_MalodyHoe_CS380PPT.pptx
@@ -9,8 +9,7 @@
     <p:sldId id="290" r:id="rId3"/>
     <p:sldId id="280" r:id="rId4"/>
     <p:sldId id="292" r:id="rId5"/>
-    <p:sldId id="291" r:id="rId6"/>
-    <p:sldId id="269" r:id="rId7"/>
+    <p:sldId id="269" r:id="rId6"/>
   </p:sldIdLst>
   <p:sldSz cx="12192000" cy="6858000"/>
   <p:notesSz cx="6858000" cy="9144000"/>
@@ -4028,6 +4027,219 @@
   <p:clrMapOvr>
     <a:masterClrMapping/>
   </p:clrMapOvr>
+  <p:timing>
+    <p:tnLst>
+      <p:par>
+        <p:cTn id="1" dur="indefinite" restart="never" nodeType="tmRoot">
+          <p:childTnLst>
+            <p:seq concurrent="1" nextAc="seek">
+              <p:cTn id="2" dur="indefinite" nodeType="mainSeq">
+                <p:childTnLst>
+                  <p:par>
+                    <p:cTn id="3" fill="hold">
+                      <p:stCondLst>
+                        <p:cond delay="indefinite"/>
+                      </p:stCondLst>
+                      <p:childTnLst>
+                        <p:par>
+                          <p:cTn id="4" fill="hold">
+                            <p:stCondLst>
+                              <p:cond delay="0"/>
+                            </p:stCondLst>
+                            <p:childTnLst>
+                              <p:par>
+                                <p:cTn id="5" presetID="10" presetClass="entr" presetSubtype="0" fill="hold" nodeType="clickEffect">
+                                  <p:stCondLst>
+                                    <p:cond delay="0"/>
+                                  </p:stCondLst>
+                                  <p:childTnLst>
+                                    <p:set>
+                                      <p:cBhvr>
+                                        <p:cTn id="6" dur="1" fill="hold">
+                                          <p:stCondLst>
+                                            <p:cond delay="0"/>
+                                          </p:stCondLst>
+                                        </p:cTn>
+                                        <p:tgtEl>
+                                          <p:spTgt spid="3">
+                                            <p:txEl>
+                                              <p:pRg st="0" end="0"/>
+                                            </p:txEl>
+                                          </p:spTgt>
+                                        </p:tgtEl>
+                                        <p:attrNameLst>
+                                          <p:attrName>style.visibility</p:attrName>
+                                        </p:attrNameLst>
+                                      </p:cBhvr>
+                                      <p:to>
+                                        <p:strVal val="visible"/>
+                                      </p:to>
+                                    </p:set>
+                                    <p:animEffect transition="in" filter="fade">
+                                      <p:cBhvr>
+                                        <p:cTn id="7" dur="500"/>
+                                        <p:tgtEl>
+                                          <p:spTgt spid="3">
+                                            <p:txEl>
+                                              <p:pRg st="0" end="0"/>
+                                            </p:txEl>
+                                          </p:spTgt>
+                                        </p:tgtEl>
+                                      </p:cBhvr>
+                                    </p:animEffect>
+                                  </p:childTnLst>
+                                </p:cTn>
+                              </p:par>
+                            </p:childTnLst>
+                          </p:cTn>
+                        </p:par>
+                      </p:childTnLst>
+                    </p:cTn>
+                  </p:par>
+                  <p:par>
+                    <p:cTn id="8" fill="hold">
+                      <p:stCondLst>
+                        <p:cond delay="indefinite"/>
+                      </p:stCondLst>
+                      <p:childTnLst>
+                        <p:par>
+                          <p:cTn id="9" fill="hold">
+                            <p:stCondLst>
+                              <p:cond delay="0"/>
+                            </p:stCondLst>
+                            <p:childTnLst>
+                              <p:par>
+                                <p:cTn id="10" presetID="10" presetClass="entr" presetSubtype="0" fill="hold" nodeType="clickEffect">
+                                  <p:stCondLst>
+                                    <p:cond delay="0"/>
+                                  </p:stCondLst>
+                                  <p:childTnLst>
+                                    <p:set>
+                                      <p:cBhvr>
+                                        <p:cTn id="11" dur="1" fill="hold">
+                                          <p:stCondLst>
+                                            <p:cond delay="0"/>
+                                          </p:stCondLst>
+                                        </p:cTn>
+                                        <p:tgtEl>
+                                          <p:spTgt spid="3">
+                                            <p:txEl>
+                                              <p:pRg st="1" end="1"/>
+                                            </p:txEl>
+                                          </p:spTgt>
+                                        </p:tgtEl>
+                                        <p:attrNameLst>
+                                          <p:attrName>style.visibility</p:attrName>
+                                        </p:attrNameLst>
+                                      </p:cBhvr>
+                                      <p:to>
+                                        <p:strVal val="visible"/>
+                                      </p:to>
+                                    </p:set>
+                                    <p:animEffect transition="in" filter="fade">
+                                      <p:cBhvr>
+                                        <p:cTn id="12" dur="500"/>
+                                        <p:tgtEl>
+                                          <p:spTgt spid="3">
+                                            <p:txEl>
+                                              <p:pRg st="1" end="1"/>
+                                            </p:txEl>
+                                          </p:spTgt>
+                                        </p:tgtEl>
+                                      </p:cBhvr>
+                                    </p:animEffect>
+                                  </p:childTnLst>
+                                </p:cTn>
+                              </p:par>
+                            </p:childTnLst>
+                          </p:cTn>
+                        </p:par>
+                      </p:childTnLst>
+                    </p:cTn>
+                  </p:par>
+                  <p:par>
+                    <p:cTn id="13" fill="hold">
+                      <p:stCondLst>
+                        <p:cond delay="indefinite"/>
+                      </p:stCondLst>
+                      <p:childTnLst>
+                        <p:par>
+                          <p:cTn id="14" fill="hold">
+                            <p:stCondLst>
+                              <p:cond delay="0"/>
+                            </p:stCondLst>
+                            <p:childTnLst>
+                              <p:par>
+                                <p:cTn id="15" presetID="10" presetClass="entr" presetSubtype="0" fill="hold" nodeType="clickEffect">
+                                  <p:stCondLst>
+                                    <p:cond delay="0"/>
+                                  </p:stCondLst>
+                                  <p:childTnLst>
+                                    <p:set>
+                                      <p:cBhvr>
+                                        <p:cTn id="16" dur="1" fill="hold">
+                                          <p:stCondLst>
+                                            <p:cond delay="0"/>
+                                          </p:stCondLst>
+                                        </p:cTn>
+                                        <p:tgtEl>
+                                          <p:spTgt spid="3">
+                                            <p:txEl>
+                                              <p:pRg st="2" end="2"/>
+                                            </p:txEl>
+                                          </p:spTgt>
+                                        </p:tgtEl>
+                                        <p:attrNameLst>
+                                          <p:attrName>style.visibility</p:attrName>
+                                        </p:attrNameLst>
+                                      </p:cBhvr>
+                                      <p:to>
+                                        <p:strVal val="visible"/>
+                                      </p:to>
+                                    </p:set>
+                                    <p:animEffect transition="in" filter="fade">
+                                      <p:cBhvr>
+                                        <p:cTn id="17" dur="500"/>
+                                        <p:tgtEl>
+                                          <p:spTgt spid="3">
+                                            <p:txEl>
+                                              <p:pRg st="2" end="2"/>
+                                            </p:txEl>
+                                          </p:spTgt>
+                                        </p:tgtEl>
+                                      </p:cBhvr>
+                                    </p:animEffect>
+                                  </p:childTnLst>
+                                </p:cTn>
+                              </p:par>
+                            </p:childTnLst>
+                          </p:cTn>
+                        </p:par>
+                      </p:childTnLst>
+                    </p:cTn>
+                  </p:par>
+                </p:childTnLst>
+              </p:cTn>
+              <p:prevCondLst>
+                <p:cond evt="onPrev" delay="0">
+                  <p:tgtEl>
+                    <p:sldTgt/>
+                  </p:tgtEl>
+                </p:cond>
+              </p:prevCondLst>
+              <p:nextCondLst>
+                <p:cond evt="onNext" delay="0">
+                  <p:tgtEl>
+                    <p:sldTgt/>
+                  </p:tgtEl>
+                </p:cond>
+              </p:nextCondLst>
+            </p:seq>
+          </p:childTnLst>
+        </p:cTn>
+      </p:par>
+    </p:tnLst>
+  </p:timing>
 </p:sld>
 </file>
 
@@ -4119,6 +4331,219 @@
   <p:clrMapOvr>
     <a:masterClrMapping/>
   </p:clrMapOvr>
+  <p:timing>
+    <p:tnLst>
+      <p:par>
+        <p:cTn id="1" dur="indefinite" restart="never" nodeType="tmRoot">
+          <p:childTnLst>
+            <p:seq concurrent="1" nextAc="seek">
+              <p:cTn id="2" dur="indefinite" nodeType="mainSeq">
+                <p:childTnLst>
+                  <p:par>
+                    <p:cTn id="3" fill="hold">
+                      <p:stCondLst>
+                        <p:cond delay="indefinite"/>
+                      </p:stCondLst>
+                      <p:childTnLst>
+                        <p:par>
+                          <p:cTn id="4" fill="hold">
+                            <p:stCondLst>
+                              <p:cond delay="0"/>
+                            </p:stCondLst>
+                            <p:childTnLst>
+                              <p:par>
+                                <p:cTn id="5" presetID="10" presetClass="entr" presetSubtype="0" fill="hold" nodeType="clickEffect">
+                                  <p:stCondLst>
+                                    <p:cond delay="0"/>
+                                  </p:stCondLst>
+                                  <p:childTnLst>
+                                    <p:set>
+                                      <p:cBhvr>
+                                        <p:cTn id="6" dur="1" fill="hold">
+                                          <p:stCondLst>
+                                            <p:cond delay="0"/>
+                                          </p:stCondLst>
+                                        </p:cTn>
+                                        <p:tgtEl>
+                                          <p:spTgt spid="2">
+                                            <p:txEl>
+                                              <p:pRg st="1" end="1"/>
+                                            </p:txEl>
+                                          </p:spTgt>
+                                        </p:tgtEl>
+                                        <p:attrNameLst>
+                                          <p:attrName>style.visibility</p:attrName>
+                                        </p:attrNameLst>
+                                      </p:cBhvr>
+                                      <p:to>
+                                        <p:strVal val="visible"/>
+                                      </p:to>
+                                    </p:set>
+                                    <p:animEffect transition="in" filter="fade">
+                                      <p:cBhvr>
+                                        <p:cTn id="7" dur="500"/>
+                                        <p:tgtEl>
+                                          <p:spTgt spid="2">
+                                            <p:txEl>
+                                              <p:pRg st="1" end="1"/>
+                                            </p:txEl>
+                                          </p:spTgt>
+                                        </p:tgtEl>
+                                      </p:cBhvr>
+                                    </p:animEffect>
+                                  </p:childTnLst>
+                                </p:cTn>
+                              </p:par>
+                            </p:childTnLst>
+                          </p:cTn>
+                        </p:par>
+                      </p:childTnLst>
+                    </p:cTn>
+                  </p:par>
+                  <p:par>
+                    <p:cTn id="8" fill="hold">
+                      <p:stCondLst>
+                        <p:cond delay="indefinite"/>
+                      </p:stCondLst>
+                      <p:childTnLst>
+                        <p:par>
+                          <p:cTn id="9" fill="hold">
+                            <p:stCondLst>
+                              <p:cond delay="0"/>
+                            </p:stCondLst>
+                            <p:childTnLst>
+                              <p:par>
+                                <p:cTn id="10" presetID="10" presetClass="entr" presetSubtype="0" fill="hold" nodeType="clickEffect">
+                                  <p:stCondLst>
+                                    <p:cond delay="0"/>
+                                  </p:stCondLst>
+                                  <p:childTnLst>
+                                    <p:set>
+                                      <p:cBhvr>
+                                        <p:cTn id="11" dur="1" fill="hold">
+                                          <p:stCondLst>
+                                            <p:cond delay="0"/>
+                                          </p:stCondLst>
+                                        </p:cTn>
+                                        <p:tgtEl>
+                                          <p:spTgt spid="2">
+                                            <p:txEl>
+                                              <p:pRg st="2" end="2"/>
+                                            </p:txEl>
+                                          </p:spTgt>
+                                        </p:tgtEl>
+                                        <p:attrNameLst>
+                                          <p:attrName>style.visibility</p:attrName>
+                                        </p:attrNameLst>
+                                      </p:cBhvr>
+                                      <p:to>
+                                        <p:strVal val="visible"/>
+                                      </p:to>
+                                    </p:set>
+                                    <p:animEffect transition="in" filter="fade">
+                                      <p:cBhvr>
+                                        <p:cTn id="12" dur="500"/>
+                                        <p:tgtEl>
+                                          <p:spTgt spid="2">
+                                            <p:txEl>
+                                              <p:pRg st="2" end="2"/>
+                                            </p:txEl>
+                                          </p:spTgt>
+                                        </p:tgtEl>
+                                      </p:cBhvr>
+                                    </p:animEffect>
+                                  </p:childTnLst>
+                                </p:cTn>
+                              </p:par>
+                            </p:childTnLst>
+                          </p:cTn>
+                        </p:par>
+                      </p:childTnLst>
+                    </p:cTn>
+                  </p:par>
+                  <p:par>
+                    <p:cTn id="13" fill="hold">
+                      <p:stCondLst>
+                        <p:cond delay="indefinite"/>
+                      </p:stCondLst>
+                      <p:childTnLst>
+                        <p:par>
+                          <p:cTn id="14" fill="hold">
+                            <p:stCondLst>
+                              <p:cond delay="0"/>
+                            </p:stCondLst>
+                            <p:childTnLst>
+                              <p:par>
+                                <p:cTn id="15" presetID="10" presetClass="entr" presetSubtype="0" fill="hold" nodeType="clickEffect">
+                                  <p:stCondLst>
+                                    <p:cond delay="0"/>
+                                  </p:stCondLst>
+                                  <p:childTnLst>
+                                    <p:set>
+                                      <p:cBhvr>
+                                        <p:cTn id="16" dur="1" fill="hold">
+                                          <p:stCondLst>
+                                            <p:cond delay="0"/>
+                                          </p:stCondLst>
+                                        </p:cTn>
+                                        <p:tgtEl>
+                                          <p:spTgt spid="2">
+                                            <p:txEl>
+                                              <p:pRg st="3" end="3"/>
+                                            </p:txEl>
+                                          </p:spTgt>
+                                        </p:tgtEl>
+                                        <p:attrNameLst>
+                                          <p:attrName>style.visibility</p:attrName>
+                                        </p:attrNameLst>
+                                      </p:cBhvr>
+                                      <p:to>
+                                        <p:strVal val="visible"/>
+                                      </p:to>
+                                    </p:set>
+                                    <p:animEffect transition="in" filter="fade">
+                                      <p:cBhvr>
+                                        <p:cTn id="17" dur="500"/>
+                                        <p:tgtEl>
+                                          <p:spTgt spid="2">
+                                            <p:txEl>
+                                              <p:pRg st="3" end="3"/>
+                                            </p:txEl>
+                                          </p:spTgt>
+                                        </p:tgtEl>
+                                      </p:cBhvr>
+                                    </p:animEffect>
+                                  </p:childTnLst>
+                                </p:cTn>
+                              </p:par>
+                            </p:childTnLst>
+                          </p:cTn>
+                        </p:par>
+                      </p:childTnLst>
+                    </p:cTn>
+                  </p:par>
+                </p:childTnLst>
+              </p:cTn>
+              <p:prevCondLst>
+                <p:cond evt="onPrev" delay="0">
+                  <p:tgtEl>
+                    <p:sldTgt/>
+                  </p:tgtEl>
+                </p:cond>
+              </p:prevCondLst>
+              <p:nextCondLst>
+                <p:cond evt="onNext" delay="0">
+                  <p:tgtEl>
+                    <p:sldTgt/>
+                  </p:tgtEl>
+                </p:cond>
+              </p:nextCondLst>
+            </p:seq>
+          </p:childTnLst>
+        </p:cTn>
+      </p:par>
+    </p:tnLst>
+  </p:timing>
 </p:sld>
 </file>
 
@@ -4149,7 +4574,12 @@
             <p:ph idx="1"/>
           </p:nvPr>
         </p:nvSpPr>
-        <p:spPr/>
+        <p:spPr>
+          <a:xfrm>
+            <a:off x="1351189" y="1684421"/>
+            <a:ext cx="10470697" cy="4881384"/>
+          </a:xfrm>
+        </p:spPr>
         <p:txBody>
           <a:bodyPr/>
           <a:lstStyle/>
@@ -4159,23 +4589,20 @@
           <a:p>
             <a:r>
               <a:rPr lang="en-US" dirty="0"/>
+              <a:t>Brush Strokes</a:t>
+            </a:r>
+          </a:p>
+          <a:p>
+            <a:r>
+              <a:rPr lang="en-US" dirty="0"/>
               <a:t>Point Mesh</a:t>
             </a:r>
           </a:p>
           <a:p>
             <a:r>
               <a:rPr lang="en-US" dirty="0"/>
-              <a:t>Brush Strokes</a:t>
-            </a:r>
-          </a:p>
-          <a:p>
-            <a:r>
-              <a:rPr lang="en-US" dirty="0"/>
-              <a:t>Curves</a:t>
-            </a:r>
-          </a:p>
-          <a:p>
-            <a:endParaRPr lang="en-US" dirty="0"/>
+              <a:t>Variation</a:t>
+            </a:r>
           </a:p>
         </p:txBody>
       </p:sp>
@@ -4224,118 +4651,223 @@
   <p:clrMapOvr>
     <a:masterClrMapping/>
   </p:clrMapOvr>
+  <p:timing>
+    <p:tnLst>
+      <p:par>
+        <p:cTn id="1" dur="indefinite" restart="never" nodeType="tmRoot">
+          <p:childTnLst>
+            <p:seq concurrent="1" nextAc="seek">
+              <p:cTn id="2" dur="indefinite" nodeType="mainSeq">
+                <p:childTnLst>
+                  <p:par>
+                    <p:cTn id="3" fill="hold">
+                      <p:stCondLst>
+                        <p:cond delay="indefinite"/>
+                      </p:stCondLst>
+                      <p:childTnLst>
+                        <p:par>
+                          <p:cTn id="4" fill="hold">
+                            <p:stCondLst>
+                              <p:cond delay="0"/>
+                            </p:stCondLst>
+                            <p:childTnLst>
+                              <p:par>
+                                <p:cTn id="5" presetID="10" presetClass="entr" presetSubtype="0" fill="hold" nodeType="clickEffect">
+                                  <p:stCondLst>
+                                    <p:cond delay="0"/>
+                                  </p:stCondLst>
+                                  <p:childTnLst>
+                                    <p:set>
+                                      <p:cBhvr>
+                                        <p:cTn id="6" dur="1" fill="hold">
+                                          <p:stCondLst>
+                                            <p:cond delay="0"/>
+                                          </p:stCondLst>
+                                        </p:cTn>
+                                        <p:tgtEl>
+                                          <p:spTgt spid="2">
+                                            <p:txEl>
+                                              <p:pRg st="1" end="1"/>
+                                            </p:txEl>
+                                          </p:spTgt>
+                                        </p:tgtEl>
+                                        <p:attrNameLst>
+                                          <p:attrName>style.visibility</p:attrName>
+                                        </p:attrNameLst>
+                                      </p:cBhvr>
+                                      <p:to>
+                                        <p:strVal val="visible"/>
+                                      </p:to>
+                                    </p:set>
+                                    <p:animEffect transition="in" filter="fade">
+                                      <p:cBhvr>
+                                        <p:cTn id="7" dur="500"/>
+                                        <p:tgtEl>
+                                          <p:spTgt spid="2">
+                                            <p:txEl>
+                                              <p:pRg st="1" end="1"/>
+                                            </p:txEl>
+                                          </p:spTgt>
+                                        </p:tgtEl>
+                                      </p:cBhvr>
+                                    </p:animEffect>
+                                  </p:childTnLst>
+                                </p:cTn>
+                              </p:par>
+                            </p:childTnLst>
+                          </p:cTn>
+                        </p:par>
+                      </p:childTnLst>
+                    </p:cTn>
+                  </p:par>
+                  <p:par>
+                    <p:cTn id="8" fill="hold">
+                      <p:stCondLst>
+                        <p:cond delay="indefinite"/>
+                      </p:stCondLst>
+                      <p:childTnLst>
+                        <p:par>
+                          <p:cTn id="9" fill="hold">
+                            <p:stCondLst>
+                              <p:cond delay="0"/>
+                            </p:stCondLst>
+                            <p:childTnLst>
+                              <p:par>
+                                <p:cTn id="10" presetID="10" presetClass="entr" presetSubtype="0" fill="hold" nodeType="clickEffect">
+                                  <p:stCondLst>
+                                    <p:cond delay="0"/>
+                                  </p:stCondLst>
+                                  <p:childTnLst>
+                                    <p:set>
+                                      <p:cBhvr>
+                                        <p:cTn id="11" dur="1" fill="hold">
+                                          <p:stCondLst>
+                                            <p:cond delay="0"/>
+                                          </p:stCondLst>
+                                        </p:cTn>
+                                        <p:tgtEl>
+                                          <p:spTgt spid="2">
+                                            <p:txEl>
+                                              <p:pRg st="2" end="2"/>
+                                            </p:txEl>
+                                          </p:spTgt>
+                                        </p:tgtEl>
+                                        <p:attrNameLst>
+                                          <p:attrName>style.visibility</p:attrName>
+                                        </p:attrNameLst>
+                                      </p:cBhvr>
+                                      <p:to>
+                                        <p:strVal val="visible"/>
+                                      </p:to>
+                                    </p:set>
+                                    <p:animEffect transition="in" filter="fade">
+                                      <p:cBhvr>
+                                        <p:cTn id="12" dur="500"/>
+                                        <p:tgtEl>
+                                          <p:spTgt spid="2">
+                                            <p:txEl>
+                                              <p:pRg st="2" end="2"/>
+                                            </p:txEl>
+                                          </p:spTgt>
+                                        </p:tgtEl>
+                                      </p:cBhvr>
+                                    </p:animEffect>
+                                  </p:childTnLst>
+                                </p:cTn>
+                              </p:par>
+                            </p:childTnLst>
+                          </p:cTn>
+                        </p:par>
+                      </p:childTnLst>
+                    </p:cTn>
+                  </p:par>
+                  <p:par>
+                    <p:cTn id="13" fill="hold">
+                      <p:stCondLst>
+                        <p:cond delay="indefinite"/>
+                      </p:stCondLst>
+                      <p:childTnLst>
+                        <p:par>
+                          <p:cTn id="14" fill="hold">
+                            <p:stCondLst>
+                              <p:cond delay="0"/>
+                            </p:stCondLst>
+                            <p:childTnLst>
+                              <p:par>
+                                <p:cTn id="15" presetID="10" presetClass="entr" presetSubtype="0" fill="hold" nodeType="clickEffect">
+                                  <p:stCondLst>
+                                    <p:cond delay="0"/>
+                                  </p:stCondLst>
+                                  <p:childTnLst>
+                                    <p:set>
+                                      <p:cBhvr>
+                                        <p:cTn id="16" dur="1" fill="hold">
+                                          <p:stCondLst>
+                                            <p:cond delay="0"/>
+                                          </p:stCondLst>
+                                        </p:cTn>
+                                        <p:tgtEl>
+                                          <p:spTgt spid="2">
+                                            <p:txEl>
+                                              <p:pRg st="3" end="3"/>
+                                            </p:txEl>
+                                          </p:spTgt>
+                                        </p:tgtEl>
+                                        <p:attrNameLst>
+                                          <p:attrName>style.visibility</p:attrName>
+                                        </p:attrNameLst>
+                                      </p:cBhvr>
+                                      <p:to>
+                                        <p:strVal val="visible"/>
+                                      </p:to>
+                                    </p:set>
+                                    <p:animEffect transition="in" filter="fade">
+                                      <p:cBhvr>
+                                        <p:cTn id="17" dur="500"/>
+                                        <p:tgtEl>
+                                          <p:spTgt spid="2">
+                                            <p:txEl>
+                                              <p:pRg st="3" end="3"/>
+                                            </p:txEl>
+                                          </p:spTgt>
+                                        </p:tgtEl>
+                                      </p:cBhvr>
+                                    </p:animEffect>
+                                  </p:childTnLst>
+                                </p:cTn>
+                              </p:par>
+                            </p:childTnLst>
+                          </p:cTn>
+                        </p:par>
+                      </p:childTnLst>
+                    </p:cTn>
+                  </p:par>
+                </p:childTnLst>
+              </p:cTn>
+              <p:prevCondLst>
+                <p:cond evt="onPrev" delay="0">
+                  <p:tgtEl>
+                    <p:sldTgt/>
+                  </p:tgtEl>
+                </p:cond>
+              </p:prevCondLst>
+              <p:nextCondLst>
+                <p:cond evt="onNext" delay="0">
+                  <p:tgtEl>
+                    <p:sldTgt/>
+                  </p:tgtEl>
+                </p:cond>
+              </p:nextCondLst>
+            </p:seq>
+          </p:childTnLst>
+        </p:cTn>
+      </p:par>
+    </p:tnLst>
+  </p:timing>
 </p:sld>
 </file>
 
 <file path=ppt/slides/slide5.xml><?xml version="1.0" encoding="utf-8"?>
-<p:sld xmlns:a="http://schemas.openxmlformats.org/drawingml/2006/main" xmlns:r="http://schemas.openxmlformats.org/officeDocument/2006/relationships" xmlns:p="http://schemas.openxmlformats.org/presentationml/2006/main">
-  <p:cSld>
-    <p:spTree>
-      <p:nvGrpSpPr>
-        <p:cNvPr id="1" name=""/>
-        <p:cNvGrpSpPr/>
-        <p:nvPr/>
-      </p:nvGrpSpPr>
-      <p:grpSpPr>
-        <a:xfrm>
-          <a:off x="0" y="0"/>
-          <a:ext cx="0" cy="0"/>
-          <a:chOff x="0" y="0"/>
-          <a:chExt cx="0" cy="0"/>
-        </a:xfrm>
-      </p:grpSpPr>
-      <p:sp>
-        <p:nvSpPr>
-          <p:cNvPr id="2" name="Content Placeholder 1"/>
-          <p:cNvSpPr>
-            <a:spLocks noGrp="1"/>
-          </p:cNvSpPr>
-          <p:nvPr>
-            <p:ph idx="1"/>
-          </p:nvPr>
-        </p:nvSpPr>
-        <p:spPr/>
-        <p:txBody>
-          <a:bodyPr/>
-          <a:lstStyle/>
-          <a:p>
-            <a:endParaRPr lang="en-US" dirty="0"/>
-          </a:p>
-          <a:p>
-            <a:r>
-              <a:rPr lang="en-US" dirty="0"/>
-              <a:t>Minimize your use of text</a:t>
-            </a:r>
-          </a:p>
-          <a:p>
-            <a:pPr marL="1143000" lvl="1" indent="-457200"/>
-            <a:r>
-              <a:rPr lang="en-US" dirty="0"/>
-              <a:t>Use bullets sparingly (better to just say it)</a:t>
-            </a:r>
-          </a:p>
-          <a:p>
-            <a:pPr marL="1143000" lvl="1" indent="-457200"/>
-            <a:r>
-              <a:rPr lang="en-US" dirty="0"/>
-              <a:t>Minimize the “noise” on each slide</a:t>
-            </a:r>
-          </a:p>
-          <a:p>
-            <a:pPr marL="1143000" lvl="1" indent="-457200"/>
-            <a:r>
-              <a:rPr lang="en-US" dirty="0"/>
-              <a:t>No one wants to read your presentation</a:t>
-            </a:r>
-          </a:p>
-          <a:p>
-            <a:pPr marL="1143000" lvl="1" indent="-457200"/>
-            <a:r>
-              <a:rPr lang="en-US" dirty="0"/>
-              <a:t>Use “effective redundancy” and let your slides add value in addition to what you say</a:t>
-            </a:r>
-          </a:p>
-          <a:p>
-            <a:endParaRPr lang="en-US" dirty="0"/>
-          </a:p>
-        </p:txBody>
-      </p:sp>
-      <p:sp>
-        <p:nvSpPr>
-          <p:cNvPr id="3" name="Content Placeholder 2"/>
-          <p:cNvSpPr>
-            <a:spLocks noGrp="1"/>
-          </p:cNvSpPr>
-          <p:nvPr>
-            <p:ph idx="10"/>
-          </p:nvPr>
-        </p:nvSpPr>
-        <p:spPr/>
-        <p:txBody>
-          <a:bodyPr/>
-          <a:lstStyle/>
-          <a:p>
-            <a:r>
-              <a:rPr lang="en-US" dirty="0"/>
-              <a:t>Sentence that explains the point</a:t>
-            </a:r>
-          </a:p>
-        </p:txBody>
-      </p:sp>
-    </p:spTree>
-    <p:extLst>
-      <p:ext uri="{BB962C8B-B14F-4D97-AF65-F5344CB8AC3E}">
-        <p14:creationId xmlns:p14="http://schemas.microsoft.com/office/powerpoint/2010/main" val="2029977748"/>
-      </p:ext>
-    </p:extLst>
-  </p:cSld>
-  <p:clrMapOvr>
-    <a:masterClrMapping/>
-  </p:clrMapOvr>
-</p:sld>
-</file>
-
-<file path=ppt/slides/slide6.xml><?xml version="1.0" encoding="utf-8"?>
 <p:sld xmlns:a="http://schemas.openxmlformats.org/drawingml/2006/main" xmlns:r="http://schemas.openxmlformats.org/officeDocument/2006/relationships" xmlns:p="http://schemas.openxmlformats.org/presentationml/2006/main">
   <p:cSld>
     <p:spTree>

--- a/WilliamYoong_JacobLim_MalodyHoe_CS380PPT.pptx
+++ b/WilliamYoong_JacobLim_MalodyHoe_CS380PPT.pptx
@@ -4896,13 +4896,25 @@
         </p:nvSpPr>
         <p:spPr/>
         <p:txBody>
-          <a:bodyPr/>
+          <a:bodyPr>
+            <a:normAutofit/>
+          </a:bodyPr>
           <a:lstStyle/>
           <a:p>
             <a:r>
               <a:rPr lang="en-US" dirty="0"/>
               <a:t>Demo</a:t>
             </a:r>
+            <a:br>
+              <a:rPr lang="en-US" dirty="0"/>
+            </a:br>
+            <a:r>
+              <a:rPr lang="en-US" sz="2800" dirty="0">
+                <a:hlinkClick r:id="rId2"/>
+              </a:rPr>
+              <a:t>https://www.undefinist.com/glyphgen/</a:t>
+            </a:r>
+            <a:endParaRPr lang="en-US" dirty="0"/>
           </a:p>
         </p:txBody>
       </p:sp>

--- a/WilliamYoong_JacobLim_MalodyHoe_CS380PPT.pptx
+++ b/WilliamYoong_JacobLim_MalodyHoe_CS380PPT.pptx
@@ -4279,8 +4279,16 @@
           </a:p>
           <a:p>
             <a:r>
-              <a:rPr lang="en-US" dirty="0"/>
-              <a:t>Expedite Workflow</a:t>
+              <a:rPr lang="en-US" dirty="0">
+                <a:solidFill>
+                  <a:schemeClr val="accent1"/>
+                </a:solidFill>
+              </a:rPr>
+              <a:t>-</a:t>
+            </a:r>
+            <a:r>
+              <a:rPr lang="en-US" dirty="0"/>
+              <a:t> Expedite Workflow</a:t>
             </a:r>
           </a:p>
           <a:p>
@@ -4293,8 +4301,16 @@
           <a:p>
             <a:pPr marL="457200" indent="-457200"/>
             <a:r>
-              <a:rPr lang="en-US" dirty="0"/>
-              <a:t>Interesting Concept</a:t>
+              <a:rPr lang="en-US" dirty="0">
+                <a:solidFill>
+                  <a:schemeClr val="accent1"/>
+                </a:solidFill>
+              </a:rPr>
+              <a:t>-</a:t>
+            </a:r>
+            <a:r>
+              <a:rPr lang="en-US" dirty="0"/>
+              <a:t> Interesting Concept</a:t>
             </a:r>
           </a:p>
         </p:txBody>
@@ -4587,21 +4603,33 @@
             <a:endParaRPr lang="en-US" dirty="0"/>
           </a:p>
           <a:p>
-            <a:r>
-              <a:rPr lang="en-US" dirty="0"/>
-              <a:t>Brush Strokes</a:t>
-            </a:r>
-          </a:p>
-          <a:p>
-            <a:r>
-              <a:rPr lang="en-US" dirty="0"/>
-              <a:t>Point Mesh</a:t>
-            </a:r>
-          </a:p>
-          <a:p>
-            <a:r>
-              <a:rPr lang="en-US" dirty="0"/>
-              <a:t>Variation</a:t>
+            <a:pPr marL="457200" indent="-457200">
+              <a:buFontTx/>
+              <a:buChar char="-"/>
+            </a:pPr>
+            <a:r>
+              <a:rPr lang="en-US" dirty="0"/>
+              <a:t>Randomize start point</a:t>
+            </a:r>
+          </a:p>
+          <a:p>
+            <a:pPr marL="457200" indent="-457200">
+              <a:buFontTx/>
+              <a:buChar char="-"/>
+            </a:pPr>
+            <a:r>
+              <a:rPr lang="en-US" dirty="0"/>
+              <a:t>Choose stroke</a:t>
+            </a:r>
+          </a:p>
+          <a:p>
+            <a:pPr marL="457200" indent="-457200">
+              <a:buFontTx/>
+              <a:buChar char="-"/>
+            </a:pPr>
+            <a:r>
+              <a:rPr lang="en-US" dirty="0"/>
+              <a:t>Draw, then choose stroke again</a:t>
             </a:r>
           </a:p>
         </p:txBody>
